--- a/Slider-trinh-bay-Eproject-SemIV.pptx
+++ b/Slider-trinh-bay-Eproject-SemIV.pptx
@@ -11279,15 +11279,7 @@
                   <a:schemeClr val="lt1"/>
                 </a:solidFill>
               </a:rPr>
-              <a:t>BẢO VỆ ĐỒ ÁN SEM </a:t>
-            </a:r>
-            <a:r>
-              <a:rPr lang="en-US" sz="3200" b="1" dirty="0" smtClean="0">
-                <a:solidFill>
-                  <a:schemeClr val="lt1"/>
-                </a:solidFill>
-              </a:rPr>
-              <a:t>IV</a:t>
+              <a:t>BẢO VỆ ĐỒ ÁN SEM IV</a:t>
             </a:r>
             <a:endParaRPr lang="en-US" sz="3200" b="1" i="0" u="none" strike="noStrike" cap="none" dirty="0">
               <a:solidFill>
@@ -11388,21 +11380,8 @@
                   <a:schemeClr val="lt1"/>
                 </a:solidFill>
               </a:rPr>
-              <a:t>Lớp:   </a:t>
+              <a:t>Lớp:   C1908G12</a:t>
             </a:r>
-            <a:r>
-              <a:rPr lang="en-US" sz="2000" b="1" dirty="0" smtClean="0">
-                <a:solidFill>
-                  <a:schemeClr val="lt1"/>
-                </a:solidFill>
-              </a:rPr>
-              <a:t>C1908G12</a:t>
-            </a:r>
-            <a:endParaRPr lang="en-US" sz="2000" b="1" dirty="0" smtClean="0">
-              <a:solidFill>
-                <a:schemeClr val="lt1"/>
-              </a:solidFill>
-            </a:endParaRPr>
           </a:p>
           <a:p>
             <a:pPr marL="0" marR="0" lvl="0" indent="0" rtl="0">
@@ -11421,21 +11400,8 @@
                   <a:schemeClr val="lt1"/>
                 </a:solidFill>
               </a:rPr>
-              <a:t>Nhóm: </a:t>
+              <a:t>Nhóm: 8</a:t>
             </a:r>
-            <a:r>
-              <a:rPr lang="en-US" sz="2000" b="1" dirty="0" smtClean="0">
-                <a:solidFill>
-                  <a:schemeClr val="lt1"/>
-                </a:solidFill>
-              </a:rPr>
-              <a:t>8</a:t>
-            </a:r>
-            <a:endParaRPr lang="en-US" sz="2000" b="1" dirty="0" smtClean="0">
-              <a:solidFill>
-                <a:schemeClr val="lt1"/>
-              </a:solidFill>
-            </a:endParaRPr>
           </a:p>
           <a:p>
             <a:pPr marL="0" marR="0" lvl="0" indent="0" rtl="0">
@@ -11462,15 +11428,7 @@
                   <a:schemeClr val="lt1"/>
                 </a:solidFill>
               </a:rPr>
-              <a:t>1. Trần Văn </a:t>
-            </a:r>
-            <a:r>
-              <a:rPr lang="en-US" sz="2000" b="1" dirty="0" smtClean="0">
-                <a:solidFill>
-                  <a:schemeClr val="lt1"/>
-                </a:solidFill>
-              </a:rPr>
-              <a:t>Vững</a:t>
+              <a:t>1. Trần Văn Vững</a:t>
             </a:r>
           </a:p>
           <a:p>
@@ -11492,11 +11450,6 @@
               </a:rPr>
               <a:t>Giảng viên hướng dẫn: Bùi Thanh Hải</a:t>
             </a:r>
-            <a:endParaRPr lang="en-US" sz="2000" b="1" dirty="0" smtClean="0">
-              <a:solidFill>
-                <a:schemeClr val="lt1"/>
-              </a:solidFill>
-            </a:endParaRPr>
           </a:p>
         </p:txBody>
       </p:sp>
@@ -11920,11 +11873,7 @@
             </a:pPr>
             <a:r>
               <a:rPr lang="en-US" sz="2400" dirty="0" smtClean="0"/>
-              <a:t>Thiết </a:t>
-            </a:r>
-            <a:r>
-              <a:rPr lang="en-US" sz="2400" dirty="0" smtClean="0"/>
-              <a:t>kế giao diện chính</a:t>
+              <a:t>Thiết kế giao diện chính</a:t>
             </a:r>
           </a:p>
           <a:p>
@@ -12069,11 +12018,7 @@
             </a:pPr>
             <a:r>
               <a:rPr lang="en-US" sz="1800" dirty="0" smtClean="0"/>
-              <a:t>+, </a:t>
-            </a:r>
-            <a:r>
-              <a:rPr lang="en-US" sz="1800" dirty="0" smtClean="0"/>
-              <a:t>Văn.</a:t>
+              <a:t>+, Văn.</a:t>
             </a:r>
             <a:endParaRPr lang="en-US" sz="1800" dirty="0"/>
           </a:p>
@@ -12083,11 +12028,7 @@
             </a:pPr>
             <a:r>
               <a:rPr lang="en-US" sz="1800" dirty="0" smtClean="0"/>
-              <a:t>+, </a:t>
-            </a:r>
-            <a:r>
-              <a:rPr lang="en-US" sz="1800" dirty="0" smtClean="0"/>
-              <a:t>Anh.</a:t>
+              <a:t>+, Anh.</a:t>
             </a:r>
           </a:p>
           <a:p>
@@ -12597,7 +12538,7 @@
         </p:nvSpPr>
         <p:spPr>
           <a:xfrm>
-            <a:off x="38100" y="0"/>
+            <a:off x="29424" y="-37723"/>
             <a:ext cx="10515599" cy="1020762"/>
           </a:xfrm>
         </p:spPr>
@@ -12618,66 +12559,96 @@
           </a:p>
         </p:txBody>
       </p:sp>
-      <p:sp>
-        <p:nvSpPr>
-          <p:cNvPr id="6" name="TextBox 5"/>
-          <p:cNvSpPr txBox="1"/>
+      <p:pic>
+        <p:nvPicPr>
+          <p:cNvPr id="3" name="Picture 2"/>
+          <p:cNvPicPr>
+            <a:picLocks noChangeAspect="1"/>
+          </p:cNvPicPr>
           <p:nvPr/>
-        </p:nvSpPr>
+        </p:nvPicPr>
+        <p:blipFill>
+          <a:blip r:embed="rId2">
+            <a:extLst>
+              <a:ext uri="{28A0092B-C50C-407E-A947-70E740481C1C}">
+                <a14:useLocalDpi xmlns:a14="http://schemas.microsoft.com/office/drawing/2010/main" val="0"/>
+              </a:ext>
+            </a:extLst>
+          </a:blip>
+          <a:stretch>
+            <a:fillRect/>
+          </a:stretch>
+        </p:blipFill>
         <p:spPr>
           <a:xfrm>
-            <a:off x="2209800" y="3928554"/>
-            <a:ext cx="622286" cy="307777"/>
+            <a:off x="1676400" y="1295400"/>
+            <a:ext cx="2237873" cy="4724400"/>
           </a:xfrm>
           <a:prstGeom prst="rect">
             <a:avLst/>
           </a:prstGeom>
-          <a:noFill/>
         </p:spPr>
-        <p:txBody>
-          <a:bodyPr wrap="none" rtlCol="0">
-            <a:spAutoFit/>
-          </a:bodyPr>
-          <a:lstStyle/>
-          <a:p>
-            <a:r>
-              <a:rPr lang="en-US" dirty="0" smtClean="0"/>
-              <a:t>Login</a:t>
-            </a:r>
-            <a:endParaRPr lang="en-US" dirty="0"/>
-          </a:p>
-        </p:txBody>
-      </p:sp>
-      <p:sp>
-        <p:nvSpPr>
-          <p:cNvPr id="7" name="TextBox 6"/>
-          <p:cNvSpPr txBox="1"/>
+      </p:pic>
+      <p:pic>
+        <p:nvPicPr>
+          <p:cNvPr id="4" name="Picture 3"/>
+          <p:cNvPicPr>
+            <a:picLocks noChangeAspect="1"/>
+          </p:cNvPicPr>
           <p:nvPr/>
-        </p:nvSpPr>
+        </p:nvPicPr>
+        <p:blipFill>
+          <a:blip r:embed="rId3">
+            <a:extLst>
+              <a:ext uri="{28A0092B-C50C-407E-A947-70E740481C1C}">
+                <a14:useLocalDpi xmlns:a14="http://schemas.microsoft.com/office/drawing/2010/main" val="0"/>
+              </a:ext>
+            </a:extLst>
+          </a:blip>
+          <a:stretch>
+            <a:fillRect/>
+          </a:stretch>
+        </p:blipFill>
         <p:spPr>
           <a:xfrm>
-            <a:off x="8763000" y="6019800"/>
-            <a:ext cx="662361" cy="307777"/>
+            <a:off x="4607837" y="1295400"/>
+            <a:ext cx="2237873" cy="4724400"/>
           </a:xfrm>
           <a:prstGeom prst="rect">
             <a:avLst/>
           </a:prstGeom>
-          <a:noFill/>
         </p:spPr>
-        <p:txBody>
-          <a:bodyPr wrap="none" rtlCol="0">
-            <a:spAutoFit/>
-          </a:bodyPr>
-          <a:lstStyle/>
-          <a:p>
-            <a:r>
-              <a:rPr lang="en-US" dirty="0" smtClean="0"/>
-              <a:t>Home</a:t>
-            </a:r>
-            <a:endParaRPr lang="en-US" dirty="0"/>
-          </a:p>
-        </p:txBody>
-      </p:sp>
+      </p:pic>
+      <p:pic>
+        <p:nvPicPr>
+          <p:cNvPr id="8" name="Picture 7"/>
+          <p:cNvPicPr>
+            <a:picLocks noChangeAspect="1"/>
+          </p:cNvPicPr>
+          <p:nvPr/>
+        </p:nvPicPr>
+        <p:blipFill>
+          <a:blip r:embed="rId4">
+            <a:extLst>
+              <a:ext uri="{28A0092B-C50C-407E-A947-70E740481C1C}">
+                <a14:useLocalDpi xmlns:a14="http://schemas.microsoft.com/office/drawing/2010/main" val="0"/>
+              </a:ext>
+            </a:extLst>
+          </a:blip>
+          <a:stretch>
+            <a:fillRect/>
+          </a:stretch>
+        </p:blipFill>
+        <p:spPr>
+          <a:xfrm>
+            <a:off x="7772400" y="1295400"/>
+            <a:ext cx="2237873" cy="4724400"/>
+          </a:xfrm>
+          <a:prstGeom prst="rect">
+            <a:avLst/>
+          </a:prstGeom>
+        </p:spPr>
+      </p:pic>
     </p:spTree>
     <p:extLst>
       <p:ext uri="{BB962C8B-B14F-4D97-AF65-F5344CB8AC3E}">

--- a/Slider-trinh-bay-Eproject-SemIV.pptx
+++ b/Slider-trinh-bay-Eproject-SemIV.pptx
@@ -12037,7 +12037,23 @@
             </a:pPr>
             <a:r>
               <a:rPr lang="en-US" sz="1800" dirty="0" smtClean="0"/>
-              <a:t>- Là dạng ứng dụng ôn tập lại kiến thức theo hình thức trắc nghiệm nên người dùng sẽ tự đăng ký tài khoản, tự tạo đề và tự thi, không cần phụ thuộc vào lịch thi.</a:t>
+              <a:t>- Là dạng ứng dụng ôn tập lại kiến thức theo hình thức trắc </a:t>
+            </a:r>
+            <a:r>
+              <a:rPr lang="en-US" sz="1800" dirty="0" smtClean="0"/>
+              <a:t>nghiệm lý thuyết </a:t>
+            </a:r>
+            <a:r>
+              <a:rPr lang="en-US" sz="1800" dirty="0" smtClean="0"/>
+              <a:t>nên người dùng sẽ tự đăng ký tài khoản, tự tạo </a:t>
+            </a:r>
+            <a:r>
+              <a:rPr lang="en-US" sz="1800" dirty="0" smtClean="0"/>
+              <a:t>đề,tự thi và có thể xem lại lịch sử thi của chính mình mà </a:t>
+            </a:r>
+            <a:r>
+              <a:rPr lang="en-US" sz="1800" dirty="0" smtClean="0"/>
+              <a:t>không cần phụ thuộc vào lịch thi.</a:t>
             </a:r>
             <a:endParaRPr lang="en-US" sz="1800" dirty="0"/>
           </a:p>
@@ -12147,8 +12163,8 @@
         </p:blipFill>
         <p:spPr>
           <a:xfrm>
-            <a:off x="2499810" y="1814287"/>
-            <a:ext cx="7192379" cy="3229426"/>
+            <a:off x="1676400" y="1676400"/>
+            <a:ext cx="8687428" cy="3900713"/>
           </a:xfrm>
           <a:prstGeom prst="rect">
             <a:avLst/>
@@ -12227,8 +12243,10 @@
       </p:sp>
       <p:pic>
         <p:nvPicPr>
-          <p:cNvPr id="4" name="Picture 3"/>
-          <p:cNvPicPr/>
+          <p:cNvPr id="3" name="Picture 2"/>
+          <p:cNvPicPr>
+            <a:picLocks noChangeAspect="1"/>
+          </p:cNvPicPr>
           <p:nvPr/>
         </p:nvPicPr>
         <p:blipFill>
@@ -12239,8 +12257,8 @@
         </p:blipFill>
         <p:spPr>
           <a:xfrm>
-            <a:off x="1905000" y="1447800"/>
-            <a:ext cx="8382000" cy="4572000"/>
+            <a:off x="1066800" y="914400"/>
+            <a:ext cx="10012037" cy="5334000"/>
           </a:xfrm>
           <a:prstGeom prst="rect">
             <a:avLst/>
@@ -12373,8 +12391,8 @@
         </p:blipFill>
         <p:spPr>
           <a:xfrm>
-            <a:off x="2038388" y="1614994"/>
-            <a:ext cx="8507012" cy="4115374"/>
+            <a:off x="1058068" y="1272381"/>
+            <a:ext cx="9923463" cy="4800600"/>
           </a:xfrm>
           <a:prstGeom prst="rect">
             <a:avLst/>
@@ -12481,8 +12499,8 @@
         </p:blipFill>
         <p:spPr>
           <a:xfrm>
-            <a:off x="2590800" y="1022271"/>
-            <a:ext cx="7391400" cy="4845129"/>
+            <a:off x="2133600" y="1007936"/>
+            <a:ext cx="8077200" cy="5302329"/>
           </a:xfrm>
           <a:prstGeom prst="rect">
             <a:avLst/>
